--- a/問題.pptx
+++ b/問題.pptx
@@ -10,6 +10,7 @@
     <p:sldId id="259" r:id="rId4"/>
     <p:sldId id="260" r:id="rId5"/>
     <p:sldId id="261" r:id="rId6"/>
+    <p:sldId id="262" r:id="rId7"/>
   </p:sldIdLst>
   <p:sldSz cx="12192000" cy="6858000"/>
   <p:notesSz cx="6858000" cy="9144000"/>
@@ -108,6 +109,11 @@
       </a:defRPr>
     </a:lvl9pPr>
   </p:defaultTextStyle>
+  <p:extLst>
+    <p:ext uri="{EFAFB233-063F-42B5-8137-9DF3F51BA10A}">
+      <p15:sldGuideLst xmlns:p15="http://schemas.microsoft.com/office/powerpoint/2012/main"/>
+    </p:ext>
+  </p:extLst>
 </p:presentation>
 </file>
 
@@ -258,7 +264,7 @@
           <a:p>
             <a:fld id="{29D50A71-0EC4-4B3B-A013-E80EBEC808FF}" type="datetimeFigureOut">
               <a:rPr lang="zh-TW" altLang="en-US" smtClean="0"/>
-              <a:t>2023/8/18</a:t>
+              <a:t>2023/9/13</a:t>
             </a:fld>
             <a:endParaRPr lang="zh-TW" altLang="en-US"/>
           </a:p>
@@ -456,7 +462,7 @@
           <a:p>
             <a:fld id="{29D50A71-0EC4-4B3B-A013-E80EBEC808FF}" type="datetimeFigureOut">
               <a:rPr lang="zh-TW" altLang="en-US" smtClean="0"/>
-              <a:t>2023/8/18</a:t>
+              <a:t>2023/9/13</a:t>
             </a:fld>
             <a:endParaRPr lang="zh-TW" altLang="en-US"/>
           </a:p>
@@ -664,7 +670,7 @@
           <a:p>
             <a:fld id="{29D50A71-0EC4-4B3B-A013-E80EBEC808FF}" type="datetimeFigureOut">
               <a:rPr lang="zh-TW" altLang="en-US" smtClean="0"/>
-              <a:t>2023/8/18</a:t>
+              <a:t>2023/9/13</a:t>
             </a:fld>
             <a:endParaRPr lang="zh-TW" altLang="en-US"/>
           </a:p>
@@ -862,7 +868,7 @@
           <a:p>
             <a:fld id="{29D50A71-0EC4-4B3B-A013-E80EBEC808FF}" type="datetimeFigureOut">
               <a:rPr lang="zh-TW" altLang="en-US" smtClean="0"/>
-              <a:t>2023/8/18</a:t>
+              <a:t>2023/9/13</a:t>
             </a:fld>
             <a:endParaRPr lang="zh-TW" altLang="en-US"/>
           </a:p>
@@ -1137,7 +1143,7 @@
           <a:p>
             <a:fld id="{29D50A71-0EC4-4B3B-A013-E80EBEC808FF}" type="datetimeFigureOut">
               <a:rPr lang="zh-TW" altLang="en-US" smtClean="0"/>
-              <a:t>2023/8/18</a:t>
+              <a:t>2023/9/13</a:t>
             </a:fld>
             <a:endParaRPr lang="zh-TW" altLang="en-US"/>
           </a:p>
@@ -1402,7 +1408,7 @@
           <a:p>
             <a:fld id="{29D50A71-0EC4-4B3B-A013-E80EBEC808FF}" type="datetimeFigureOut">
               <a:rPr lang="zh-TW" altLang="en-US" smtClean="0"/>
-              <a:t>2023/8/18</a:t>
+              <a:t>2023/9/13</a:t>
             </a:fld>
             <a:endParaRPr lang="zh-TW" altLang="en-US"/>
           </a:p>
@@ -1814,7 +1820,7 @@
           <a:p>
             <a:fld id="{29D50A71-0EC4-4B3B-A013-E80EBEC808FF}" type="datetimeFigureOut">
               <a:rPr lang="zh-TW" altLang="en-US" smtClean="0"/>
-              <a:t>2023/8/18</a:t>
+              <a:t>2023/9/13</a:t>
             </a:fld>
             <a:endParaRPr lang="zh-TW" altLang="en-US"/>
           </a:p>
@@ -1955,7 +1961,7 @@
           <a:p>
             <a:fld id="{29D50A71-0EC4-4B3B-A013-E80EBEC808FF}" type="datetimeFigureOut">
               <a:rPr lang="zh-TW" altLang="en-US" smtClean="0"/>
-              <a:t>2023/8/18</a:t>
+              <a:t>2023/9/13</a:t>
             </a:fld>
             <a:endParaRPr lang="zh-TW" altLang="en-US"/>
           </a:p>
@@ -2068,7 +2074,7 @@
           <a:p>
             <a:fld id="{29D50A71-0EC4-4B3B-A013-E80EBEC808FF}" type="datetimeFigureOut">
               <a:rPr lang="zh-TW" altLang="en-US" smtClean="0"/>
-              <a:t>2023/8/18</a:t>
+              <a:t>2023/9/13</a:t>
             </a:fld>
             <a:endParaRPr lang="zh-TW" altLang="en-US"/>
           </a:p>
@@ -2379,7 +2385,7 @@
           <a:p>
             <a:fld id="{29D50A71-0EC4-4B3B-A013-E80EBEC808FF}" type="datetimeFigureOut">
               <a:rPr lang="zh-TW" altLang="en-US" smtClean="0"/>
-              <a:t>2023/8/18</a:t>
+              <a:t>2023/9/13</a:t>
             </a:fld>
             <a:endParaRPr lang="zh-TW" altLang="en-US"/>
           </a:p>
@@ -2667,7 +2673,7 @@
           <a:p>
             <a:fld id="{29D50A71-0EC4-4B3B-A013-E80EBEC808FF}" type="datetimeFigureOut">
               <a:rPr lang="zh-TW" altLang="en-US" smtClean="0"/>
-              <a:t>2023/8/18</a:t>
+              <a:t>2023/9/13</a:t>
             </a:fld>
             <a:endParaRPr lang="zh-TW" altLang="en-US"/>
           </a:p>
@@ -2908,7 +2914,7 @@
           <a:p>
             <a:fld id="{29D50A71-0EC4-4B3B-A013-E80EBEC808FF}" type="datetimeFigureOut">
               <a:rPr lang="zh-TW" altLang="en-US" smtClean="0"/>
-              <a:t>2023/8/18</a:t>
+              <a:t>2023/9/13</a:t>
             </a:fld>
             <a:endParaRPr lang="zh-TW" altLang="en-US"/>
           </a:p>
@@ -4164,7 +4170,99 @@
           <a:bodyPr/>
           <a:lstStyle/>
           <a:p>
-            <a:endParaRPr lang="zh-TW" altLang="en-US"/>
+            <a:pPr marL="0" indent="0">
+              <a:buNone/>
+            </a:pPr>
+            <a:r>
+              <a:rPr lang="zh-TW" altLang="en-US" dirty="0"/>
+              <a:t>證明集群是一同一個</a:t>
+            </a:r>
+            <a:r>
+              <a:rPr lang="en-US" altLang="zh-TW" dirty="0"/>
+              <a:t>?</a:t>
+            </a:r>
+          </a:p>
+          <a:p>
+            <a:pPr marL="0" indent="0">
+              <a:buNone/>
+            </a:pPr>
+            <a:endParaRPr lang="en-US" altLang="zh-TW" dirty="0"/>
+          </a:p>
+          <a:p>
+            <a:pPr marL="0" indent="0">
+              <a:buNone/>
+            </a:pPr>
+            <a:r>
+              <a:rPr lang="zh-TW" altLang="en-US" dirty="0"/>
+              <a:t>各時期資料 </a:t>
+            </a:r>
+            <a:r>
+              <a:rPr lang="en-US" altLang="zh-TW" dirty="0"/>
+              <a:t>-&gt; SOM -&gt; </a:t>
+            </a:r>
+            <a:r>
+              <a:rPr lang="zh-TW" altLang="en-US" dirty="0"/>
+              <a:t>所有分群</a:t>
+            </a:r>
+            <a:endParaRPr lang="en-US" altLang="zh-TW" dirty="0"/>
+          </a:p>
+          <a:p>
+            <a:pPr marL="514350" indent="-514350">
+              <a:buAutoNum type="arabicPeriod"/>
+            </a:pPr>
+            <a:r>
+              <a:rPr lang="zh-TW" altLang="en-US" dirty="0"/>
+              <a:t>富回歸 </a:t>
+            </a:r>
+            <a:r>
+              <a:rPr lang="en-US" altLang="zh-TW" dirty="0"/>
+              <a:t>: </a:t>
+            </a:r>
+            <a:r>
+              <a:rPr lang="zh-TW" altLang="en-US" dirty="0"/>
+              <a:t>探索各分群特徵</a:t>
+            </a:r>
+            <a:endParaRPr lang="en-US" altLang="zh-TW" dirty="0"/>
+          </a:p>
+          <a:p>
+            <a:pPr marL="514350" indent="-514350">
+              <a:buAutoNum type="arabicPeriod"/>
+            </a:pPr>
+            <a:r>
+              <a:rPr lang="en-US" altLang="zh-TW" dirty="0"/>
+              <a:t>NN</a:t>
+            </a:r>
+            <a:r>
+              <a:rPr lang="zh-TW" altLang="en-US" dirty="0"/>
+              <a:t> </a:t>
+            </a:r>
+            <a:r>
+              <a:rPr lang="en-US" altLang="zh-TW" dirty="0"/>
+              <a:t>:</a:t>
+            </a:r>
+            <a:r>
+              <a:rPr lang="zh-TW" altLang="en-US" dirty="0"/>
+              <a:t> </a:t>
+            </a:r>
+            <a:endParaRPr lang="en-US" altLang="zh-TW" dirty="0"/>
+          </a:p>
+          <a:p>
+            <a:pPr marL="0" indent="0">
+              <a:buNone/>
+            </a:pPr>
+            <a:endParaRPr lang="en-US" altLang="zh-TW" dirty="0"/>
+          </a:p>
+          <a:p>
+            <a:pPr marL="0" indent="0">
+              <a:buNone/>
+            </a:pPr>
+            <a:endParaRPr lang="en-US" altLang="zh-TW" dirty="0"/>
+          </a:p>
+          <a:p>
+            <a:pPr marL="0" indent="0">
+              <a:buNone/>
+            </a:pPr>
+            <a:endParaRPr lang="zh-TW" altLang="en-US" dirty="0"/>
           </a:p>
         </p:txBody>
       </p:sp>
@@ -4172,6 +4270,86 @@
     <p:extLst>
       <p:ext uri="{BB962C8B-B14F-4D97-AF65-F5344CB8AC3E}">
         <p14:creationId xmlns:p14="http://schemas.microsoft.com/office/powerpoint/2010/main" val="1100918329"/>
+      </p:ext>
+    </p:extLst>
+  </p:cSld>
+  <p:clrMapOvr>
+    <a:masterClrMapping/>
+  </p:clrMapOvr>
+</p:sld>
+</file>
+
+<file path=ppt/slides/slide6.xml><?xml version="1.0" encoding="utf-8"?>
+<p:sld xmlns:a="http://schemas.openxmlformats.org/drawingml/2006/main" xmlns:r="http://schemas.openxmlformats.org/officeDocument/2006/relationships" xmlns:p="http://schemas.openxmlformats.org/presentationml/2006/main">
+  <p:cSld>
+    <p:spTree>
+      <p:nvGrpSpPr>
+        <p:cNvPr id="1" name=""/>
+        <p:cNvGrpSpPr/>
+        <p:nvPr/>
+      </p:nvGrpSpPr>
+      <p:grpSpPr>
+        <a:xfrm>
+          <a:off x="0" y="0"/>
+          <a:ext cx="0" cy="0"/>
+          <a:chOff x="0" y="0"/>
+          <a:chExt cx="0" cy="0"/>
+        </a:xfrm>
+      </p:grpSpPr>
+      <p:sp>
+        <p:nvSpPr>
+          <p:cNvPr id="2" name="標題 1">
+            <a:extLst>
+              <a:ext uri="{FF2B5EF4-FFF2-40B4-BE49-F238E27FC236}">
+                <a16:creationId xmlns:a16="http://schemas.microsoft.com/office/drawing/2014/main" id="{78619BB3-52D1-4A09-B874-BC20AF738F81}"/>
+              </a:ext>
+            </a:extLst>
+          </p:cNvPr>
+          <p:cNvSpPr>
+            <a:spLocks noGrp="1"/>
+          </p:cNvSpPr>
+          <p:nvPr>
+            <p:ph type="title"/>
+          </p:nvPr>
+        </p:nvSpPr>
+        <p:spPr/>
+        <p:txBody>
+          <a:bodyPr/>
+          <a:lstStyle/>
+          <a:p>
+            <a:endParaRPr lang="zh-TW" altLang="en-US"/>
+          </a:p>
+        </p:txBody>
+      </p:sp>
+      <p:sp>
+        <p:nvSpPr>
+          <p:cNvPr id="3" name="內容版面配置區 2">
+            <a:extLst>
+              <a:ext uri="{FF2B5EF4-FFF2-40B4-BE49-F238E27FC236}">
+                <a16:creationId xmlns:a16="http://schemas.microsoft.com/office/drawing/2014/main" id="{326BC4CF-F4BF-4CDE-A2A2-7ED818D81B83}"/>
+              </a:ext>
+            </a:extLst>
+          </p:cNvPr>
+          <p:cNvSpPr>
+            <a:spLocks noGrp="1"/>
+          </p:cNvSpPr>
+          <p:nvPr>
+            <p:ph idx="1"/>
+          </p:nvPr>
+        </p:nvSpPr>
+        <p:spPr/>
+        <p:txBody>
+          <a:bodyPr/>
+          <a:lstStyle/>
+          <a:p>
+            <a:endParaRPr lang="zh-TW" altLang="en-US"/>
+          </a:p>
+        </p:txBody>
+      </p:sp>
+    </p:spTree>
+    <p:extLst>
+      <p:ext uri="{BB962C8B-B14F-4D97-AF65-F5344CB8AC3E}">
+        <p14:creationId xmlns:p14="http://schemas.microsoft.com/office/powerpoint/2010/main" val="1710833052"/>
       </p:ext>
     </p:extLst>
   </p:cSld>
